--- a/Week2/Javascript/27-10-2020/pptx/26-10-2020 - 27-10-2020.pptx
+++ b/Week2/Javascript/27-10-2020/pptx/26-10-2020 - 27-10-2020.pptx
@@ -239,7 +239,7 @@
           <a:p>
             <a:fld id="{EF1077DB-935E-4A0A-947A-D283B9F9F452}" type="datetimeFigureOut">
               <a:rPr lang="en-US" smtClean="0"/>
-              <a:t>10/31/2020</a:t>
+              <a:t>11/15/2020</a:t>
             </a:fld>
             <a:endParaRPr lang="en-US" dirty="0"/>
           </a:p>
@@ -416,7 +416,7 @@
           <a:p>
             <a:fld id="{2D9EC30E-1A71-4188-9BE7-E2A64929A436}" type="datetimeFigureOut">
               <a:rPr lang="en-US" noProof="0" smtClean="0"/>
-              <a:t>10/31/2020</a:t>
+              <a:t>11/15/2020</a:t>
             </a:fld>
             <a:endParaRPr lang="en-US" noProof="0"/>
           </a:p>
@@ -9187,11 +9187,7 @@
           <a:p>
             <a:pPr algn="l"/>
             <a:r>
-              <a:rPr lang="en-US" sz="4000" b="1" dirty="0">
-                <a:solidFill>
-                  <a:srgbClr val="FFC000"/>
-                </a:solidFill>
-              </a:rPr>
+              <a:rPr lang="en-US" sz="4000" b="1" dirty="0"/>
               <a:t>My</a:t>
             </a:r>
             <a:r>
@@ -9210,11 +9206,7 @@
               </a:rPr>
             </a:br>
             <a:r>
-              <a:rPr lang="en-US" sz="4000" b="1" dirty="0">
-                <a:solidFill>
-                  <a:srgbClr val="FFC000"/>
-                </a:solidFill>
-              </a:rPr>
+              <a:rPr lang="en-US" sz="4000" b="1" dirty="0"/>
               <a:t>pre</a:t>
             </a:r>
             <a:r>
@@ -23116,20 +23108,20 @@
 </file>
 
 <file path=customXml/item2.xml><?xml version="1.0" encoding="utf-8"?>
-<p:properties xmlns:p="http://schemas.microsoft.com/office/2006/metadata/properties" xmlns:xsi="http://www.w3.org/2001/XMLSchema-instance" xmlns:pc="http://schemas.microsoft.com/office/infopath/2007/PartnerControls">
-  <documentManagement>
-    <MediaServiceKeyPoints xmlns="71af3243-3dd4-4a8d-8c0d-dd76da1f02a5" xsi:nil="true"/>
-  </documentManagement>
-</p:properties>
-</file>
-
-<file path=customXml/item3.xml><?xml version="1.0" encoding="utf-8"?>
 <?mso-contentType ?>
 <FormTemplates xmlns="http://schemas.microsoft.com/sharepoint/v3/contenttype/forms">
   <Display>DocumentLibraryForm</Display>
   <Edit>DocumentLibraryForm</Edit>
   <New>DocumentLibraryForm</New>
 </FormTemplates>
+</file>
+
+<file path=customXml/item3.xml><?xml version="1.0" encoding="utf-8"?>
+<p:properties xmlns:p="http://schemas.microsoft.com/office/2006/metadata/properties" xmlns:xsi="http://www.w3.org/2001/XMLSchema-instance" xmlns:pc="http://schemas.microsoft.com/office/infopath/2007/PartnerControls">
+  <documentManagement>
+    <MediaServiceKeyPoints xmlns="71af3243-3dd4-4a8d-8c0d-dd76da1f02a5" xsi:nil="true"/>
+  </documentManagement>
+</p:properties>
 </file>
 
 <file path=customXml/itemProps1.xml><?xml version="1.0" encoding="utf-8"?>
@@ -23152,6 +23144,14 @@
 </file>
 
 <file path=customXml/itemProps2.xml><?xml version="1.0" encoding="utf-8"?>
+<ds:datastoreItem xmlns:ds="http://schemas.openxmlformats.org/officeDocument/2006/customXml" ds:itemID="{47323504-CBC8-4A2F-BF86-8DF0D94D4A3D}">
+  <ds:schemaRefs>
+    <ds:schemaRef ds:uri="http://schemas.microsoft.com/sharepoint/v3/contenttype/forms"/>
+  </ds:schemaRefs>
+</ds:datastoreItem>
+</file>
+
+<file path=customXml/itemProps3.xml><?xml version="1.0" encoding="utf-8"?>
 <ds:datastoreItem xmlns:ds="http://schemas.openxmlformats.org/officeDocument/2006/customXml" ds:itemID="{96100F67-BC3D-46B4-8D39-802DC9D7F2EB}">
   <ds:schemaRefs>
     <ds:schemaRef ds:uri="http://schemas.microsoft.com/office/2006/metadata/properties"/>
@@ -23159,12 +23159,4 @@
     <ds:schemaRef ds:uri="71af3243-3dd4-4a8d-8c0d-dd76da1f02a5"/>
   </ds:schemaRefs>
 </ds:datastoreItem>
-</file>
-
-<file path=customXml/itemProps3.xml><?xml version="1.0" encoding="utf-8"?>
-<ds:datastoreItem xmlns:ds="http://schemas.openxmlformats.org/officeDocument/2006/customXml" ds:itemID="{47323504-CBC8-4A2F-BF86-8DF0D94D4A3D}">
-  <ds:schemaRefs>
-    <ds:schemaRef ds:uri="http://schemas.microsoft.com/sharepoint/v3/contenttype/forms"/>
-  </ds:schemaRefs>
-</ds:datastoreItem>
 </file>